--- a/Oblig3/Datastruktur.pptx
+++ b/Oblig3/Datastruktur.pptx
@@ -5,10 +5,11 @@
     <p:sldMasterId id="2147483648" r:id="rId1"/>
   </p:sldMasterIdLst>
   <p:notesMasterIdLst>
-    <p:notesMasterId r:id="rId3"/>
+    <p:notesMasterId r:id="rId4"/>
   </p:notesMasterIdLst>
   <p:sldIdLst>
     <p:sldId id="257" r:id="rId2"/>
+    <p:sldId id="258" r:id="rId3"/>
   </p:sldIdLst>
   <p:sldSz cx="12192000" cy="6858000"/>
   <p:notesSz cx="6858000" cy="9144000"/>
@@ -211,7 +212,7 @@
           <a:p>
             <a:fld id="{C407C5E1-F4A4-470A-BAB7-E3D58E2EB29B}" type="datetimeFigureOut">
               <a:rPr lang="nb-NO" smtClean="0"/>
-              <a:t>28.02.2020</a:t>
+              <a:t>01.06.2020</a:t>
             </a:fld>
             <a:endParaRPr lang="nb-NO"/>
           </a:p>
@@ -610,7 +611,7 @@
           <a:p>
             <a:fld id="{083A9BE8-26B7-4D1D-8CFD-17723E99B246}" type="datetimeFigureOut">
               <a:rPr lang="nb-NO" smtClean="0"/>
-              <a:t>28.02.2020</a:t>
+              <a:t>01.06.2020</a:t>
             </a:fld>
             <a:endParaRPr lang="nb-NO"/>
           </a:p>
@@ -780,7 +781,7 @@
           <a:p>
             <a:fld id="{083A9BE8-26B7-4D1D-8CFD-17723E99B246}" type="datetimeFigureOut">
               <a:rPr lang="nb-NO" smtClean="0"/>
-              <a:t>28.02.2020</a:t>
+              <a:t>01.06.2020</a:t>
             </a:fld>
             <a:endParaRPr lang="nb-NO"/>
           </a:p>
@@ -960,7 +961,7 @@
           <a:p>
             <a:fld id="{083A9BE8-26B7-4D1D-8CFD-17723E99B246}" type="datetimeFigureOut">
               <a:rPr lang="nb-NO" smtClean="0"/>
-              <a:t>28.02.2020</a:t>
+              <a:t>01.06.2020</a:t>
             </a:fld>
             <a:endParaRPr lang="nb-NO"/>
           </a:p>
@@ -1130,7 +1131,7 @@
           <a:p>
             <a:fld id="{083A9BE8-26B7-4D1D-8CFD-17723E99B246}" type="datetimeFigureOut">
               <a:rPr lang="nb-NO" smtClean="0"/>
-              <a:t>28.02.2020</a:t>
+              <a:t>01.06.2020</a:t>
             </a:fld>
             <a:endParaRPr lang="nb-NO"/>
           </a:p>
@@ -1376,7 +1377,7 @@
           <a:p>
             <a:fld id="{083A9BE8-26B7-4D1D-8CFD-17723E99B246}" type="datetimeFigureOut">
               <a:rPr lang="nb-NO" smtClean="0"/>
-              <a:t>28.02.2020</a:t>
+              <a:t>01.06.2020</a:t>
             </a:fld>
             <a:endParaRPr lang="nb-NO"/>
           </a:p>
@@ -1608,7 +1609,7 @@
           <a:p>
             <a:fld id="{083A9BE8-26B7-4D1D-8CFD-17723E99B246}" type="datetimeFigureOut">
               <a:rPr lang="nb-NO" smtClean="0"/>
-              <a:t>28.02.2020</a:t>
+              <a:t>01.06.2020</a:t>
             </a:fld>
             <a:endParaRPr lang="nb-NO"/>
           </a:p>
@@ -1975,7 +1976,7 @@
           <a:p>
             <a:fld id="{083A9BE8-26B7-4D1D-8CFD-17723E99B246}" type="datetimeFigureOut">
               <a:rPr lang="nb-NO" smtClean="0"/>
-              <a:t>28.02.2020</a:t>
+              <a:t>01.06.2020</a:t>
             </a:fld>
             <a:endParaRPr lang="nb-NO"/>
           </a:p>
@@ -2093,7 +2094,7 @@
           <a:p>
             <a:fld id="{083A9BE8-26B7-4D1D-8CFD-17723E99B246}" type="datetimeFigureOut">
               <a:rPr lang="nb-NO" smtClean="0"/>
-              <a:t>28.02.2020</a:t>
+              <a:t>01.06.2020</a:t>
             </a:fld>
             <a:endParaRPr lang="nb-NO"/>
           </a:p>
@@ -2188,7 +2189,7 @@
           <a:p>
             <a:fld id="{083A9BE8-26B7-4D1D-8CFD-17723E99B246}" type="datetimeFigureOut">
               <a:rPr lang="nb-NO" smtClean="0"/>
-              <a:t>28.02.2020</a:t>
+              <a:t>01.06.2020</a:t>
             </a:fld>
             <a:endParaRPr lang="nb-NO"/>
           </a:p>
@@ -2465,7 +2466,7 @@
           <a:p>
             <a:fld id="{083A9BE8-26B7-4D1D-8CFD-17723E99B246}" type="datetimeFigureOut">
               <a:rPr lang="nb-NO" smtClean="0"/>
-              <a:t>28.02.2020</a:t>
+              <a:t>01.06.2020</a:t>
             </a:fld>
             <a:endParaRPr lang="nb-NO"/>
           </a:p>
@@ -2718,7 +2719,7 @@
           <a:p>
             <a:fld id="{083A9BE8-26B7-4D1D-8CFD-17723E99B246}" type="datetimeFigureOut">
               <a:rPr lang="nb-NO" smtClean="0"/>
-              <a:t>28.02.2020</a:t>
+              <a:t>01.06.2020</a:t>
             </a:fld>
             <a:endParaRPr lang="nb-NO"/>
           </a:p>
@@ -2931,7 +2932,7 @@
           <a:p>
             <a:fld id="{083A9BE8-26B7-4D1D-8CFD-17723E99B246}" type="datetimeFigureOut">
               <a:rPr lang="nb-NO" smtClean="0"/>
-              <a:t>28.02.2020</a:t>
+              <a:t>01.06.2020</a:t>
             </a:fld>
             <a:endParaRPr lang="nb-NO"/>
           </a:p>
@@ -3898,6 +3899,2640 @@
     <p:extLst>
       <p:ext uri="{BB962C8B-B14F-4D97-AF65-F5344CB8AC3E}">
         <p14:creationId xmlns:p14="http://schemas.microsoft.com/office/powerpoint/2010/main" val="3706384894"/>
+      </p:ext>
+    </p:extLst>
+  </p:cSld>
+  <p:clrMapOvr>
+    <a:masterClrMapping/>
+  </p:clrMapOvr>
+</p:sld>
+</file>
+
+<file path=ppt/slides/slide2.xml><?xml version="1.0" encoding="utf-8"?>
+<p:sld xmlns:a="http://schemas.openxmlformats.org/drawingml/2006/main" xmlns:r="http://schemas.openxmlformats.org/officeDocument/2006/relationships" xmlns:p="http://schemas.openxmlformats.org/presentationml/2006/main">
+  <p:cSld>
+    <p:spTree>
+      <p:nvGrpSpPr>
+        <p:cNvPr id="1" name=""/>
+        <p:cNvGrpSpPr/>
+        <p:nvPr/>
+      </p:nvGrpSpPr>
+      <p:grpSpPr>
+        <a:xfrm>
+          <a:off x="0" y="0"/>
+          <a:ext cx="0" cy="0"/>
+          <a:chOff x="0" y="0"/>
+          <a:chExt cx="0" cy="0"/>
+        </a:xfrm>
+      </p:grpSpPr>
+      <p:sp>
+        <p:nvSpPr>
+          <p:cNvPr id="6" name="Avrundet rektangel 5"/>
+          <p:cNvSpPr/>
+          <p:nvPr/>
+        </p:nvSpPr>
+        <p:spPr>
+          <a:xfrm>
+            <a:off x="386753" y="951474"/>
+            <a:ext cx="1610567" cy="2824843"/>
+          </a:xfrm>
+          <a:prstGeom prst="roundRect">
+            <a:avLst/>
+          </a:prstGeom>
+          <a:noFill/>
+          <a:ln>
+            <a:solidFill>
+              <a:schemeClr val="accent1"/>
+            </a:solidFill>
+          </a:ln>
+        </p:spPr>
+        <p:style>
+          <a:lnRef idx="2">
+            <a:schemeClr val="accent1">
+              <a:shade val="50000"/>
+            </a:schemeClr>
+          </a:lnRef>
+          <a:fillRef idx="1">
+            <a:schemeClr val="accent1"/>
+          </a:fillRef>
+          <a:effectRef idx="0">
+            <a:schemeClr val="accent1"/>
+          </a:effectRef>
+          <a:fontRef idx="minor">
+            <a:schemeClr val="lt1"/>
+          </a:fontRef>
+        </p:style>
+        <p:txBody>
+          <a:bodyPr rtlCol="0" anchor="ctr"/>
+          <a:lstStyle/>
+          <a:p>
+            <a:pPr algn="ctr"/>
+            <a:endParaRPr lang="nb-NO" dirty="0"/>
+          </a:p>
+        </p:txBody>
+      </p:sp>
+      <p:sp>
+        <p:nvSpPr>
+          <p:cNvPr id="12" name="Rektangel 11"/>
+          <p:cNvSpPr/>
+          <p:nvPr/>
+        </p:nvSpPr>
+        <p:spPr>
+          <a:xfrm>
+            <a:off x="506496" y="1278045"/>
+            <a:ext cx="1322614" cy="244929"/>
+          </a:xfrm>
+          <a:prstGeom prst="rect">
+            <a:avLst/>
+          </a:prstGeom>
+          <a:noFill/>
+        </p:spPr>
+        <p:style>
+          <a:lnRef idx="2">
+            <a:schemeClr val="accent1">
+              <a:shade val="50000"/>
+            </a:schemeClr>
+          </a:lnRef>
+          <a:fillRef idx="1">
+            <a:schemeClr val="accent1"/>
+          </a:fillRef>
+          <a:effectRef idx="0">
+            <a:schemeClr val="accent1"/>
+          </a:effectRef>
+          <a:fontRef idx="minor">
+            <a:schemeClr val="lt1"/>
+          </a:fontRef>
+        </p:style>
+        <p:txBody>
+          <a:bodyPr rtlCol="0" anchor="ctr"/>
+          <a:lstStyle/>
+          <a:p>
+            <a:pPr algn="ctr"/>
+            <a:r>
+              <a:rPr lang="nb-NO" dirty="0" smtClean="0">
+                <a:solidFill>
+                  <a:schemeClr val="tx1"/>
+                </a:solidFill>
+              </a:rPr>
+              <a:t>null</a:t>
+            </a:r>
+            <a:endParaRPr lang="nb-NO" dirty="0">
+              <a:solidFill>
+                <a:schemeClr val="tx1"/>
+              </a:solidFill>
+            </a:endParaRPr>
+          </a:p>
+        </p:txBody>
+      </p:sp>
+      <p:sp>
+        <p:nvSpPr>
+          <p:cNvPr id="13" name="TekstSylinder 12"/>
+          <p:cNvSpPr txBox="1"/>
+          <p:nvPr/>
+        </p:nvSpPr>
+        <p:spPr>
+          <a:xfrm>
+            <a:off x="386753" y="1013556"/>
+            <a:ext cx="1559711" cy="307777"/>
+          </a:xfrm>
+          <a:prstGeom prst="rect">
+            <a:avLst/>
+          </a:prstGeom>
+          <a:noFill/>
+        </p:spPr>
+        <p:txBody>
+          <a:bodyPr wrap="square" rtlCol="0">
+            <a:spAutoFit/>
+          </a:bodyPr>
+          <a:lstStyle/>
+          <a:p>
+            <a:r>
+              <a:rPr lang="nb-NO" sz="1400" dirty="0" smtClean="0"/>
+              <a:t>Navn: </a:t>
+            </a:r>
+            <a:r>
+              <a:rPr lang="nb-NO" sz="1400" dirty="0" err="1" smtClean="0"/>
+              <a:t>flestTekst</a:t>
+            </a:r>
+            <a:endParaRPr lang="nb-NO" sz="1400" dirty="0" smtClean="0"/>
+          </a:p>
+        </p:txBody>
+      </p:sp>
+      <p:sp>
+        <p:nvSpPr>
+          <p:cNvPr id="15" name="TekstSylinder 14"/>
+          <p:cNvSpPr txBox="1"/>
+          <p:nvPr/>
+        </p:nvSpPr>
+        <p:spPr>
+          <a:xfrm>
+            <a:off x="415841" y="1479686"/>
+            <a:ext cx="1559711" cy="307777"/>
+          </a:xfrm>
+          <a:prstGeom prst="rect">
+            <a:avLst/>
+          </a:prstGeom>
+          <a:noFill/>
+        </p:spPr>
+        <p:txBody>
+          <a:bodyPr wrap="square" rtlCol="0">
+            <a:spAutoFit/>
+          </a:bodyPr>
+          <a:lstStyle/>
+          <a:p>
+            <a:r>
+              <a:rPr lang="nb-NO" sz="1400" dirty="0" smtClean="0"/>
+              <a:t>Type: </a:t>
+            </a:r>
+            <a:r>
+              <a:rPr lang="nb-NO" sz="1400" dirty="0" err="1" smtClean="0"/>
+              <a:t>String</a:t>
+            </a:r>
+            <a:endParaRPr lang="nb-NO" sz="1400" dirty="0" smtClean="0"/>
+          </a:p>
+        </p:txBody>
+      </p:sp>
+      <p:sp>
+        <p:nvSpPr>
+          <p:cNvPr id="16" name="Rektangel 15"/>
+          <p:cNvSpPr/>
+          <p:nvPr/>
+        </p:nvSpPr>
+        <p:spPr>
+          <a:xfrm>
+            <a:off x="528264" y="2214216"/>
+            <a:ext cx="1322614" cy="244929"/>
+          </a:xfrm>
+          <a:prstGeom prst="rect">
+            <a:avLst/>
+          </a:prstGeom>
+          <a:noFill/>
+        </p:spPr>
+        <p:style>
+          <a:lnRef idx="2">
+            <a:schemeClr val="accent1">
+              <a:shade val="50000"/>
+            </a:schemeClr>
+          </a:lnRef>
+          <a:fillRef idx="1">
+            <a:schemeClr val="accent1"/>
+          </a:fillRef>
+          <a:effectRef idx="0">
+            <a:schemeClr val="accent1"/>
+          </a:effectRef>
+          <a:fontRef idx="minor">
+            <a:schemeClr val="lt1"/>
+          </a:fontRef>
+        </p:style>
+        <p:txBody>
+          <a:bodyPr rtlCol="0" anchor="ctr"/>
+          <a:lstStyle/>
+          <a:p>
+            <a:pPr algn="ctr"/>
+            <a:r>
+              <a:rPr lang="nb-NO" dirty="0">
+                <a:solidFill>
+                  <a:schemeClr val="tx1"/>
+                </a:solidFill>
+              </a:rPr>
+              <a:t>0</a:t>
+            </a:r>
+          </a:p>
+        </p:txBody>
+      </p:sp>
+      <p:sp>
+        <p:nvSpPr>
+          <p:cNvPr id="17" name="TekstSylinder 16"/>
+          <p:cNvSpPr txBox="1"/>
+          <p:nvPr/>
+        </p:nvSpPr>
+        <p:spPr>
+          <a:xfrm>
+            <a:off x="408521" y="1949727"/>
+            <a:ext cx="1559711" cy="307777"/>
+          </a:xfrm>
+          <a:prstGeom prst="rect">
+            <a:avLst/>
+          </a:prstGeom>
+          <a:noFill/>
+        </p:spPr>
+        <p:txBody>
+          <a:bodyPr wrap="square" rtlCol="0">
+            <a:spAutoFit/>
+          </a:bodyPr>
+          <a:lstStyle/>
+          <a:p>
+            <a:r>
+              <a:rPr lang="nb-NO" sz="1400" dirty="0" smtClean="0"/>
+              <a:t>Navn: </a:t>
+            </a:r>
+            <a:r>
+              <a:rPr lang="nb-NO" sz="1400" dirty="0" err="1" smtClean="0"/>
+              <a:t>flestAntall</a:t>
+            </a:r>
+            <a:endParaRPr lang="nb-NO" sz="1400" dirty="0" smtClean="0"/>
+          </a:p>
+        </p:txBody>
+      </p:sp>
+      <p:sp>
+        <p:nvSpPr>
+          <p:cNvPr id="18" name="TekstSylinder 17"/>
+          <p:cNvSpPr txBox="1"/>
+          <p:nvPr/>
+        </p:nvSpPr>
+        <p:spPr>
+          <a:xfrm>
+            <a:off x="437609" y="2415857"/>
+            <a:ext cx="1559711" cy="307777"/>
+          </a:xfrm>
+          <a:prstGeom prst="rect">
+            <a:avLst/>
+          </a:prstGeom>
+          <a:noFill/>
+        </p:spPr>
+        <p:txBody>
+          <a:bodyPr wrap="square" rtlCol="0">
+            <a:spAutoFit/>
+          </a:bodyPr>
+          <a:lstStyle/>
+          <a:p>
+            <a:r>
+              <a:rPr lang="nb-NO" sz="1400" dirty="0" smtClean="0"/>
+              <a:t>Type: </a:t>
+            </a:r>
+            <a:r>
+              <a:rPr lang="nb-NO" sz="1400" dirty="0" err="1" smtClean="0"/>
+              <a:t>String</a:t>
+            </a:r>
+            <a:endParaRPr lang="nb-NO" sz="1400" dirty="0" smtClean="0"/>
+          </a:p>
+        </p:txBody>
+      </p:sp>
+      <p:sp>
+        <p:nvSpPr>
+          <p:cNvPr id="19" name="Rektangel 18"/>
+          <p:cNvSpPr/>
+          <p:nvPr/>
+        </p:nvSpPr>
+        <p:spPr>
+          <a:xfrm>
+            <a:off x="551913" y="3101653"/>
+            <a:ext cx="1322614" cy="244929"/>
+          </a:xfrm>
+          <a:prstGeom prst="rect">
+            <a:avLst/>
+          </a:prstGeom>
+          <a:noFill/>
+        </p:spPr>
+        <p:style>
+          <a:lnRef idx="2">
+            <a:schemeClr val="accent1">
+              <a:shade val="50000"/>
+            </a:schemeClr>
+          </a:lnRef>
+          <a:fillRef idx="1">
+            <a:schemeClr val="accent1"/>
+          </a:fillRef>
+          <a:effectRef idx="0">
+            <a:schemeClr val="accent1"/>
+          </a:effectRef>
+          <a:fontRef idx="minor">
+            <a:schemeClr val="lt1"/>
+          </a:fontRef>
+        </p:style>
+        <p:txBody>
+          <a:bodyPr rtlCol="0" anchor="ctr"/>
+          <a:lstStyle/>
+          <a:p>
+            <a:pPr algn="ctr"/>
+            <a:endParaRPr lang="nb-NO" dirty="0">
+              <a:solidFill>
+                <a:schemeClr val="tx1"/>
+              </a:solidFill>
+            </a:endParaRPr>
+          </a:p>
+        </p:txBody>
+      </p:sp>
+      <p:sp>
+        <p:nvSpPr>
+          <p:cNvPr id="20" name="TekstSylinder 19"/>
+          <p:cNvSpPr txBox="1"/>
+          <p:nvPr/>
+        </p:nvSpPr>
+        <p:spPr>
+          <a:xfrm>
+            <a:off x="432170" y="2837164"/>
+            <a:ext cx="1559711" cy="307777"/>
+          </a:xfrm>
+          <a:prstGeom prst="rect">
+            <a:avLst/>
+          </a:prstGeom>
+          <a:noFill/>
+        </p:spPr>
+        <p:txBody>
+          <a:bodyPr wrap="square" rtlCol="0">
+            <a:spAutoFit/>
+          </a:bodyPr>
+          <a:lstStyle/>
+          <a:p>
+            <a:r>
+              <a:rPr lang="nb-NO" sz="1400" dirty="0" smtClean="0"/>
+              <a:t>Navn: start</a:t>
+            </a:r>
+          </a:p>
+        </p:txBody>
+      </p:sp>
+      <p:sp>
+        <p:nvSpPr>
+          <p:cNvPr id="21" name="TekstSylinder 20"/>
+          <p:cNvSpPr txBox="1"/>
+          <p:nvPr/>
+        </p:nvSpPr>
+        <p:spPr>
+          <a:xfrm>
+            <a:off x="461258" y="3303294"/>
+            <a:ext cx="1559711" cy="307777"/>
+          </a:xfrm>
+          <a:prstGeom prst="rect">
+            <a:avLst/>
+          </a:prstGeom>
+          <a:noFill/>
+        </p:spPr>
+        <p:txBody>
+          <a:bodyPr wrap="square" rtlCol="0">
+            <a:spAutoFit/>
+          </a:bodyPr>
+          <a:lstStyle/>
+          <a:p>
+            <a:r>
+              <a:rPr lang="nb-NO" sz="1400" dirty="0" smtClean="0"/>
+              <a:t>Type: Node</a:t>
+            </a:r>
+          </a:p>
+        </p:txBody>
+      </p:sp>
+      <p:sp>
+        <p:nvSpPr>
+          <p:cNvPr id="22" name="Avrundet rektangel 21"/>
+          <p:cNvSpPr/>
+          <p:nvPr/>
+        </p:nvSpPr>
+        <p:spPr>
+          <a:xfrm>
+            <a:off x="2912613" y="2500379"/>
+            <a:ext cx="1610567" cy="2824843"/>
+          </a:xfrm>
+          <a:prstGeom prst="roundRect">
+            <a:avLst/>
+          </a:prstGeom>
+          <a:noFill/>
+          <a:ln>
+            <a:solidFill>
+              <a:schemeClr val="accent1"/>
+            </a:solidFill>
+          </a:ln>
+        </p:spPr>
+        <p:style>
+          <a:lnRef idx="2">
+            <a:schemeClr val="accent1">
+              <a:shade val="50000"/>
+            </a:schemeClr>
+          </a:lnRef>
+          <a:fillRef idx="1">
+            <a:schemeClr val="accent1"/>
+          </a:fillRef>
+          <a:effectRef idx="0">
+            <a:schemeClr val="accent1"/>
+          </a:effectRef>
+          <a:fontRef idx="minor">
+            <a:schemeClr val="lt1"/>
+          </a:fontRef>
+        </p:style>
+        <p:txBody>
+          <a:bodyPr rtlCol="0" anchor="ctr"/>
+          <a:lstStyle/>
+          <a:p>
+            <a:pPr algn="ctr"/>
+            <a:endParaRPr lang="nb-NO" dirty="0"/>
+          </a:p>
+        </p:txBody>
+      </p:sp>
+      <p:sp>
+        <p:nvSpPr>
+          <p:cNvPr id="23" name="Rektangel 22"/>
+          <p:cNvSpPr/>
+          <p:nvPr/>
+        </p:nvSpPr>
+        <p:spPr>
+          <a:xfrm>
+            <a:off x="3032356" y="2826950"/>
+            <a:ext cx="1322614" cy="244929"/>
+          </a:xfrm>
+          <a:prstGeom prst="rect">
+            <a:avLst/>
+          </a:prstGeom>
+          <a:noFill/>
+        </p:spPr>
+        <p:style>
+          <a:lnRef idx="2">
+            <a:schemeClr val="accent1">
+              <a:shade val="50000"/>
+            </a:schemeClr>
+          </a:lnRef>
+          <a:fillRef idx="1">
+            <a:schemeClr val="accent1"/>
+          </a:fillRef>
+          <a:effectRef idx="0">
+            <a:schemeClr val="accent1"/>
+          </a:effectRef>
+          <a:fontRef idx="minor">
+            <a:schemeClr val="lt1"/>
+          </a:fontRef>
+        </p:style>
+        <p:txBody>
+          <a:bodyPr rtlCol="0" anchor="ctr"/>
+          <a:lstStyle/>
+          <a:p>
+            <a:pPr algn="ctr"/>
+            <a:endParaRPr lang="nb-NO" dirty="0">
+              <a:solidFill>
+                <a:schemeClr val="tx1"/>
+              </a:solidFill>
+            </a:endParaRPr>
+          </a:p>
+        </p:txBody>
+      </p:sp>
+      <p:sp>
+        <p:nvSpPr>
+          <p:cNvPr id="24" name="TekstSylinder 23"/>
+          <p:cNvSpPr txBox="1"/>
+          <p:nvPr/>
+        </p:nvSpPr>
+        <p:spPr>
+          <a:xfrm>
+            <a:off x="2912613" y="2562461"/>
+            <a:ext cx="1559711" cy="307777"/>
+          </a:xfrm>
+          <a:prstGeom prst="rect">
+            <a:avLst/>
+          </a:prstGeom>
+          <a:noFill/>
+        </p:spPr>
+        <p:txBody>
+          <a:bodyPr wrap="square" rtlCol="0">
+            <a:spAutoFit/>
+          </a:bodyPr>
+          <a:lstStyle/>
+          <a:p>
+            <a:r>
+              <a:rPr lang="nb-NO" sz="1400" dirty="0" smtClean="0"/>
+              <a:t>Navn: tekst</a:t>
+            </a:r>
+          </a:p>
+        </p:txBody>
+      </p:sp>
+      <p:sp>
+        <p:nvSpPr>
+          <p:cNvPr id="25" name="TekstSylinder 24"/>
+          <p:cNvSpPr txBox="1"/>
+          <p:nvPr/>
+        </p:nvSpPr>
+        <p:spPr>
+          <a:xfrm>
+            <a:off x="3877179" y="1619484"/>
+            <a:ext cx="1559711" cy="307777"/>
+          </a:xfrm>
+          <a:prstGeom prst="rect">
+            <a:avLst/>
+          </a:prstGeom>
+          <a:noFill/>
+        </p:spPr>
+        <p:txBody>
+          <a:bodyPr wrap="square" rtlCol="0">
+            <a:spAutoFit/>
+          </a:bodyPr>
+          <a:lstStyle/>
+          <a:p>
+            <a:r>
+              <a:rPr lang="nb-NO" sz="1400" dirty="0" smtClean="0"/>
+              <a:t>Type: </a:t>
+            </a:r>
+            <a:r>
+              <a:rPr lang="nb-NO" sz="1400" dirty="0" err="1" smtClean="0"/>
+              <a:t>String</a:t>
+            </a:r>
+            <a:endParaRPr lang="nb-NO" sz="1400" dirty="0" smtClean="0"/>
+          </a:p>
+        </p:txBody>
+      </p:sp>
+      <p:sp>
+        <p:nvSpPr>
+          <p:cNvPr id="26" name="Rektangel 25"/>
+          <p:cNvSpPr/>
+          <p:nvPr/>
+        </p:nvSpPr>
+        <p:spPr>
+          <a:xfrm>
+            <a:off x="3054124" y="3763121"/>
+            <a:ext cx="1322614" cy="244929"/>
+          </a:xfrm>
+          <a:prstGeom prst="rect">
+            <a:avLst/>
+          </a:prstGeom>
+          <a:noFill/>
+        </p:spPr>
+        <p:style>
+          <a:lnRef idx="2">
+            <a:schemeClr val="accent1">
+              <a:shade val="50000"/>
+            </a:schemeClr>
+          </a:lnRef>
+          <a:fillRef idx="1">
+            <a:schemeClr val="accent1"/>
+          </a:fillRef>
+          <a:effectRef idx="0">
+            <a:schemeClr val="accent1"/>
+          </a:effectRef>
+          <a:fontRef idx="minor">
+            <a:schemeClr val="lt1"/>
+          </a:fontRef>
+        </p:style>
+        <p:txBody>
+          <a:bodyPr rtlCol="0" anchor="ctr"/>
+          <a:lstStyle/>
+          <a:p>
+            <a:pPr algn="ctr"/>
+            <a:r>
+              <a:rPr lang="nb-NO" dirty="0" smtClean="0">
+                <a:solidFill>
+                  <a:schemeClr val="tx1"/>
+                </a:solidFill>
+              </a:rPr>
+              <a:t>1</a:t>
+            </a:r>
+            <a:endParaRPr lang="nb-NO" dirty="0">
+              <a:solidFill>
+                <a:schemeClr val="tx1"/>
+              </a:solidFill>
+            </a:endParaRPr>
+          </a:p>
+        </p:txBody>
+      </p:sp>
+      <p:sp>
+        <p:nvSpPr>
+          <p:cNvPr id="27" name="TekstSylinder 26"/>
+          <p:cNvSpPr txBox="1"/>
+          <p:nvPr/>
+        </p:nvSpPr>
+        <p:spPr>
+          <a:xfrm>
+            <a:off x="2934381" y="3498632"/>
+            <a:ext cx="1559711" cy="307777"/>
+          </a:xfrm>
+          <a:prstGeom prst="rect">
+            <a:avLst/>
+          </a:prstGeom>
+          <a:noFill/>
+        </p:spPr>
+        <p:txBody>
+          <a:bodyPr wrap="square" rtlCol="0">
+            <a:spAutoFit/>
+          </a:bodyPr>
+          <a:lstStyle/>
+          <a:p>
+            <a:r>
+              <a:rPr lang="nb-NO" sz="1400" dirty="0" smtClean="0"/>
+              <a:t>Navn: antall</a:t>
+            </a:r>
+          </a:p>
+        </p:txBody>
+      </p:sp>
+      <p:sp>
+        <p:nvSpPr>
+          <p:cNvPr id="28" name="TekstSylinder 27"/>
+          <p:cNvSpPr txBox="1"/>
+          <p:nvPr/>
+        </p:nvSpPr>
+        <p:spPr>
+          <a:xfrm>
+            <a:off x="2963469" y="3964762"/>
+            <a:ext cx="1559711" cy="307777"/>
+          </a:xfrm>
+          <a:prstGeom prst="rect">
+            <a:avLst/>
+          </a:prstGeom>
+          <a:noFill/>
+        </p:spPr>
+        <p:txBody>
+          <a:bodyPr wrap="square" rtlCol="0">
+            <a:spAutoFit/>
+          </a:bodyPr>
+          <a:lstStyle/>
+          <a:p>
+            <a:r>
+              <a:rPr lang="nb-NO" sz="1400" dirty="0" smtClean="0"/>
+              <a:t>Type: </a:t>
+            </a:r>
+            <a:r>
+              <a:rPr lang="nb-NO" sz="1400" dirty="0" err="1" smtClean="0"/>
+              <a:t>String</a:t>
+            </a:r>
+            <a:endParaRPr lang="nb-NO" sz="1400" dirty="0" smtClean="0"/>
+          </a:p>
+        </p:txBody>
+      </p:sp>
+      <p:sp>
+        <p:nvSpPr>
+          <p:cNvPr id="29" name="Rektangel 28"/>
+          <p:cNvSpPr/>
+          <p:nvPr/>
+        </p:nvSpPr>
+        <p:spPr>
+          <a:xfrm>
+            <a:off x="3077773" y="4650558"/>
+            <a:ext cx="1322614" cy="244929"/>
+          </a:xfrm>
+          <a:prstGeom prst="rect">
+            <a:avLst/>
+          </a:prstGeom>
+          <a:noFill/>
+        </p:spPr>
+        <p:style>
+          <a:lnRef idx="2">
+            <a:schemeClr val="accent1">
+              <a:shade val="50000"/>
+            </a:schemeClr>
+          </a:lnRef>
+          <a:fillRef idx="1">
+            <a:schemeClr val="accent1"/>
+          </a:fillRef>
+          <a:effectRef idx="0">
+            <a:schemeClr val="accent1"/>
+          </a:effectRef>
+          <a:fontRef idx="minor">
+            <a:schemeClr val="lt1"/>
+          </a:fontRef>
+        </p:style>
+        <p:txBody>
+          <a:bodyPr rtlCol="0" anchor="ctr"/>
+          <a:lstStyle/>
+          <a:p>
+            <a:pPr algn="ctr"/>
+            <a:endParaRPr lang="nb-NO" dirty="0">
+              <a:solidFill>
+                <a:schemeClr val="tx1"/>
+              </a:solidFill>
+            </a:endParaRPr>
+          </a:p>
+        </p:txBody>
+      </p:sp>
+      <p:sp>
+        <p:nvSpPr>
+          <p:cNvPr id="30" name="TekstSylinder 29"/>
+          <p:cNvSpPr txBox="1"/>
+          <p:nvPr/>
+        </p:nvSpPr>
+        <p:spPr>
+          <a:xfrm>
+            <a:off x="2958030" y="4386069"/>
+            <a:ext cx="1559711" cy="307777"/>
+          </a:xfrm>
+          <a:prstGeom prst="rect">
+            <a:avLst/>
+          </a:prstGeom>
+          <a:noFill/>
+        </p:spPr>
+        <p:txBody>
+          <a:bodyPr wrap="square" rtlCol="0">
+            <a:spAutoFit/>
+          </a:bodyPr>
+          <a:lstStyle/>
+          <a:p>
+            <a:r>
+              <a:rPr lang="nb-NO" sz="1400" dirty="0" smtClean="0"/>
+              <a:t>Navn: neste</a:t>
+            </a:r>
+          </a:p>
+        </p:txBody>
+      </p:sp>
+      <p:sp>
+        <p:nvSpPr>
+          <p:cNvPr id="31" name="TekstSylinder 30"/>
+          <p:cNvSpPr txBox="1"/>
+          <p:nvPr/>
+        </p:nvSpPr>
+        <p:spPr>
+          <a:xfrm>
+            <a:off x="2987118" y="4852199"/>
+            <a:ext cx="1559711" cy="307777"/>
+          </a:xfrm>
+          <a:prstGeom prst="rect">
+            <a:avLst/>
+          </a:prstGeom>
+          <a:noFill/>
+        </p:spPr>
+        <p:txBody>
+          <a:bodyPr wrap="square" rtlCol="0">
+            <a:spAutoFit/>
+          </a:bodyPr>
+          <a:lstStyle/>
+          <a:p>
+            <a:r>
+              <a:rPr lang="nb-NO" sz="1400" dirty="0" smtClean="0"/>
+              <a:t>Type: Node</a:t>
+            </a:r>
+          </a:p>
+        </p:txBody>
+      </p:sp>
+      <p:sp>
+        <p:nvSpPr>
+          <p:cNvPr id="32" name="Rektangel 31"/>
+          <p:cNvSpPr/>
+          <p:nvPr/>
+        </p:nvSpPr>
+        <p:spPr>
+          <a:xfrm>
+            <a:off x="3934895" y="1437404"/>
+            <a:ext cx="1322614" cy="244929"/>
+          </a:xfrm>
+          <a:prstGeom prst="rect">
+            <a:avLst/>
+          </a:prstGeom>
+          <a:noFill/>
+        </p:spPr>
+        <p:style>
+          <a:lnRef idx="2">
+            <a:schemeClr val="accent1">
+              <a:shade val="50000"/>
+            </a:schemeClr>
+          </a:lnRef>
+          <a:fillRef idx="1">
+            <a:schemeClr val="accent1"/>
+          </a:fillRef>
+          <a:effectRef idx="0">
+            <a:schemeClr val="accent1"/>
+          </a:effectRef>
+          <a:fontRef idx="minor">
+            <a:schemeClr val="lt1"/>
+          </a:fontRef>
+        </p:style>
+        <p:txBody>
+          <a:bodyPr rtlCol="0" anchor="ctr"/>
+          <a:lstStyle/>
+          <a:p>
+            <a:pPr algn="ctr"/>
+            <a:r>
+              <a:rPr lang="nb-NO" dirty="0" smtClean="0">
+                <a:solidFill>
+                  <a:schemeClr val="tx1"/>
+                </a:solidFill>
+              </a:rPr>
+              <a:t>Anne</a:t>
+            </a:r>
+            <a:endParaRPr lang="nb-NO" dirty="0">
+              <a:solidFill>
+                <a:schemeClr val="tx1"/>
+              </a:solidFill>
+            </a:endParaRPr>
+          </a:p>
+        </p:txBody>
+      </p:sp>
+      <p:sp>
+        <p:nvSpPr>
+          <p:cNvPr id="33" name="TekstSylinder 32"/>
+          <p:cNvSpPr txBox="1"/>
+          <p:nvPr/>
+        </p:nvSpPr>
+        <p:spPr>
+          <a:xfrm>
+            <a:off x="2980991" y="3078682"/>
+            <a:ext cx="1559711" cy="307777"/>
+          </a:xfrm>
+          <a:prstGeom prst="rect">
+            <a:avLst/>
+          </a:prstGeom>
+          <a:noFill/>
+        </p:spPr>
+        <p:txBody>
+          <a:bodyPr wrap="square" rtlCol="0">
+            <a:spAutoFit/>
+          </a:bodyPr>
+          <a:lstStyle/>
+          <a:p>
+            <a:r>
+              <a:rPr lang="nb-NO" sz="1400" dirty="0" smtClean="0"/>
+              <a:t>Type: </a:t>
+            </a:r>
+            <a:r>
+              <a:rPr lang="nb-NO" sz="1400" dirty="0" err="1" smtClean="0"/>
+              <a:t>String</a:t>
+            </a:r>
+            <a:endParaRPr lang="nb-NO" sz="1400" dirty="0" smtClean="0"/>
+          </a:p>
+        </p:txBody>
+      </p:sp>
+      <p:sp>
+        <p:nvSpPr>
+          <p:cNvPr id="34" name="Avrundet rektangel 33"/>
+          <p:cNvSpPr/>
+          <p:nvPr/>
+        </p:nvSpPr>
+        <p:spPr>
+          <a:xfrm>
+            <a:off x="5268679" y="2506667"/>
+            <a:ext cx="1610567" cy="2824843"/>
+          </a:xfrm>
+          <a:prstGeom prst="roundRect">
+            <a:avLst/>
+          </a:prstGeom>
+          <a:noFill/>
+          <a:ln>
+            <a:solidFill>
+              <a:schemeClr val="accent1"/>
+            </a:solidFill>
+          </a:ln>
+        </p:spPr>
+        <p:style>
+          <a:lnRef idx="2">
+            <a:schemeClr val="accent1">
+              <a:shade val="50000"/>
+            </a:schemeClr>
+          </a:lnRef>
+          <a:fillRef idx="1">
+            <a:schemeClr val="accent1"/>
+          </a:fillRef>
+          <a:effectRef idx="0">
+            <a:schemeClr val="accent1"/>
+          </a:effectRef>
+          <a:fontRef idx="minor">
+            <a:schemeClr val="lt1"/>
+          </a:fontRef>
+        </p:style>
+        <p:txBody>
+          <a:bodyPr rtlCol="0" anchor="ctr"/>
+          <a:lstStyle/>
+          <a:p>
+            <a:pPr algn="ctr"/>
+            <a:endParaRPr lang="nb-NO" dirty="0"/>
+          </a:p>
+        </p:txBody>
+      </p:sp>
+      <p:sp>
+        <p:nvSpPr>
+          <p:cNvPr id="35" name="Rektangel 34"/>
+          <p:cNvSpPr/>
+          <p:nvPr/>
+        </p:nvSpPr>
+        <p:spPr>
+          <a:xfrm>
+            <a:off x="5388422" y="2833238"/>
+            <a:ext cx="1322614" cy="244929"/>
+          </a:xfrm>
+          <a:prstGeom prst="rect">
+            <a:avLst/>
+          </a:prstGeom>
+          <a:noFill/>
+        </p:spPr>
+        <p:style>
+          <a:lnRef idx="2">
+            <a:schemeClr val="accent1">
+              <a:shade val="50000"/>
+            </a:schemeClr>
+          </a:lnRef>
+          <a:fillRef idx="1">
+            <a:schemeClr val="accent1"/>
+          </a:fillRef>
+          <a:effectRef idx="0">
+            <a:schemeClr val="accent1"/>
+          </a:effectRef>
+          <a:fontRef idx="minor">
+            <a:schemeClr val="lt1"/>
+          </a:fontRef>
+        </p:style>
+        <p:txBody>
+          <a:bodyPr rtlCol="0" anchor="ctr"/>
+          <a:lstStyle/>
+          <a:p>
+            <a:pPr algn="ctr"/>
+            <a:endParaRPr lang="nb-NO" dirty="0">
+              <a:solidFill>
+                <a:schemeClr val="tx1"/>
+              </a:solidFill>
+            </a:endParaRPr>
+          </a:p>
+        </p:txBody>
+      </p:sp>
+      <p:sp>
+        <p:nvSpPr>
+          <p:cNvPr id="36" name="TekstSylinder 35"/>
+          <p:cNvSpPr txBox="1"/>
+          <p:nvPr/>
+        </p:nvSpPr>
+        <p:spPr>
+          <a:xfrm>
+            <a:off x="5268679" y="2568749"/>
+            <a:ext cx="1559711" cy="307777"/>
+          </a:xfrm>
+          <a:prstGeom prst="rect">
+            <a:avLst/>
+          </a:prstGeom>
+          <a:noFill/>
+        </p:spPr>
+        <p:txBody>
+          <a:bodyPr wrap="square" rtlCol="0">
+            <a:spAutoFit/>
+          </a:bodyPr>
+          <a:lstStyle/>
+          <a:p>
+            <a:r>
+              <a:rPr lang="nb-NO" sz="1400" dirty="0" smtClean="0"/>
+              <a:t>Navn: tekst</a:t>
+            </a:r>
+          </a:p>
+        </p:txBody>
+      </p:sp>
+      <p:sp>
+        <p:nvSpPr>
+          <p:cNvPr id="37" name="TekstSylinder 36"/>
+          <p:cNvSpPr txBox="1"/>
+          <p:nvPr/>
+        </p:nvSpPr>
+        <p:spPr>
+          <a:xfrm>
+            <a:off x="6233245" y="1625772"/>
+            <a:ext cx="1559711" cy="307777"/>
+          </a:xfrm>
+          <a:prstGeom prst="rect">
+            <a:avLst/>
+          </a:prstGeom>
+          <a:noFill/>
+        </p:spPr>
+        <p:txBody>
+          <a:bodyPr wrap="square" rtlCol="0">
+            <a:spAutoFit/>
+          </a:bodyPr>
+          <a:lstStyle/>
+          <a:p>
+            <a:r>
+              <a:rPr lang="nb-NO" sz="1400" dirty="0" smtClean="0"/>
+              <a:t>Type: </a:t>
+            </a:r>
+            <a:r>
+              <a:rPr lang="nb-NO" sz="1400" dirty="0" err="1" smtClean="0"/>
+              <a:t>String</a:t>
+            </a:r>
+            <a:endParaRPr lang="nb-NO" sz="1400" dirty="0" smtClean="0"/>
+          </a:p>
+        </p:txBody>
+      </p:sp>
+      <p:sp>
+        <p:nvSpPr>
+          <p:cNvPr id="38" name="Rektangel 37"/>
+          <p:cNvSpPr/>
+          <p:nvPr/>
+        </p:nvSpPr>
+        <p:spPr>
+          <a:xfrm>
+            <a:off x="5410190" y="3769409"/>
+            <a:ext cx="1322614" cy="244929"/>
+          </a:xfrm>
+          <a:prstGeom prst="rect">
+            <a:avLst/>
+          </a:prstGeom>
+          <a:noFill/>
+        </p:spPr>
+        <p:style>
+          <a:lnRef idx="2">
+            <a:schemeClr val="accent1">
+              <a:shade val="50000"/>
+            </a:schemeClr>
+          </a:lnRef>
+          <a:fillRef idx="1">
+            <a:schemeClr val="accent1"/>
+          </a:fillRef>
+          <a:effectRef idx="0">
+            <a:schemeClr val="accent1"/>
+          </a:effectRef>
+          <a:fontRef idx="minor">
+            <a:schemeClr val="lt1"/>
+          </a:fontRef>
+        </p:style>
+        <p:txBody>
+          <a:bodyPr rtlCol="0" anchor="ctr"/>
+          <a:lstStyle/>
+          <a:p>
+            <a:pPr algn="ctr"/>
+            <a:r>
+              <a:rPr lang="nb-NO" dirty="0" smtClean="0">
+                <a:solidFill>
+                  <a:schemeClr val="tx1"/>
+                </a:solidFill>
+              </a:rPr>
+              <a:t>1</a:t>
+            </a:r>
+            <a:endParaRPr lang="nb-NO" dirty="0">
+              <a:solidFill>
+                <a:schemeClr val="tx1"/>
+              </a:solidFill>
+            </a:endParaRPr>
+          </a:p>
+        </p:txBody>
+      </p:sp>
+      <p:sp>
+        <p:nvSpPr>
+          <p:cNvPr id="39" name="TekstSylinder 38"/>
+          <p:cNvSpPr txBox="1"/>
+          <p:nvPr/>
+        </p:nvSpPr>
+        <p:spPr>
+          <a:xfrm>
+            <a:off x="5290447" y="3504920"/>
+            <a:ext cx="1559711" cy="307777"/>
+          </a:xfrm>
+          <a:prstGeom prst="rect">
+            <a:avLst/>
+          </a:prstGeom>
+          <a:noFill/>
+        </p:spPr>
+        <p:txBody>
+          <a:bodyPr wrap="square" rtlCol="0">
+            <a:spAutoFit/>
+          </a:bodyPr>
+          <a:lstStyle/>
+          <a:p>
+            <a:r>
+              <a:rPr lang="nb-NO" sz="1400" dirty="0" smtClean="0"/>
+              <a:t>Navn: antall</a:t>
+            </a:r>
+          </a:p>
+        </p:txBody>
+      </p:sp>
+      <p:sp>
+        <p:nvSpPr>
+          <p:cNvPr id="40" name="TekstSylinder 39"/>
+          <p:cNvSpPr txBox="1"/>
+          <p:nvPr/>
+        </p:nvSpPr>
+        <p:spPr>
+          <a:xfrm>
+            <a:off x="5319535" y="3971050"/>
+            <a:ext cx="1559711" cy="307777"/>
+          </a:xfrm>
+          <a:prstGeom prst="rect">
+            <a:avLst/>
+          </a:prstGeom>
+          <a:noFill/>
+        </p:spPr>
+        <p:txBody>
+          <a:bodyPr wrap="square" rtlCol="0">
+            <a:spAutoFit/>
+          </a:bodyPr>
+          <a:lstStyle/>
+          <a:p>
+            <a:r>
+              <a:rPr lang="nb-NO" sz="1400" dirty="0" smtClean="0"/>
+              <a:t>Type: </a:t>
+            </a:r>
+            <a:r>
+              <a:rPr lang="nb-NO" sz="1400" dirty="0" err="1" smtClean="0"/>
+              <a:t>String</a:t>
+            </a:r>
+            <a:endParaRPr lang="nb-NO" sz="1400" dirty="0" smtClean="0"/>
+          </a:p>
+        </p:txBody>
+      </p:sp>
+      <p:sp>
+        <p:nvSpPr>
+          <p:cNvPr id="41" name="Rektangel 40"/>
+          <p:cNvSpPr/>
+          <p:nvPr/>
+        </p:nvSpPr>
+        <p:spPr>
+          <a:xfrm>
+            <a:off x="5433839" y="4656846"/>
+            <a:ext cx="1322614" cy="244929"/>
+          </a:xfrm>
+          <a:prstGeom prst="rect">
+            <a:avLst/>
+          </a:prstGeom>
+          <a:noFill/>
+        </p:spPr>
+        <p:style>
+          <a:lnRef idx="2">
+            <a:schemeClr val="accent1">
+              <a:shade val="50000"/>
+            </a:schemeClr>
+          </a:lnRef>
+          <a:fillRef idx="1">
+            <a:schemeClr val="accent1"/>
+          </a:fillRef>
+          <a:effectRef idx="0">
+            <a:schemeClr val="accent1"/>
+          </a:effectRef>
+          <a:fontRef idx="minor">
+            <a:schemeClr val="lt1"/>
+          </a:fontRef>
+        </p:style>
+        <p:txBody>
+          <a:bodyPr rtlCol="0" anchor="ctr"/>
+          <a:lstStyle/>
+          <a:p>
+            <a:pPr algn="ctr"/>
+            <a:endParaRPr lang="nb-NO" dirty="0">
+              <a:solidFill>
+                <a:schemeClr val="tx1"/>
+              </a:solidFill>
+            </a:endParaRPr>
+          </a:p>
+        </p:txBody>
+      </p:sp>
+      <p:sp>
+        <p:nvSpPr>
+          <p:cNvPr id="42" name="TekstSylinder 41"/>
+          <p:cNvSpPr txBox="1"/>
+          <p:nvPr/>
+        </p:nvSpPr>
+        <p:spPr>
+          <a:xfrm>
+            <a:off x="5314096" y="4392357"/>
+            <a:ext cx="1559711" cy="307777"/>
+          </a:xfrm>
+          <a:prstGeom prst="rect">
+            <a:avLst/>
+          </a:prstGeom>
+          <a:noFill/>
+        </p:spPr>
+        <p:txBody>
+          <a:bodyPr wrap="square" rtlCol="0">
+            <a:spAutoFit/>
+          </a:bodyPr>
+          <a:lstStyle/>
+          <a:p>
+            <a:r>
+              <a:rPr lang="nb-NO" sz="1400" dirty="0" smtClean="0"/>
+              <a:t>Navn: neste</a:t>
+            </a:r>
+          </a:p>
+        </p:txBody>
+      </p:sp>
+      <p:sp>
+        <p:nvSpPr>
+          <p:cNvPr id="43" name="TekstSylinder 42"/>
+          <p:cNvSpPr txBox="1"/>
+          <p:nvPr/>
+        </p:nvSpPr>
+        <p:spPr>
+          <a:xfrm>
+            <a:off x="5343184" y="4858487"/>
+            <a:ext cx="1559711" cy="307777"/>
+          </a:xfrm>
+          <a:prstGeom prst="rect">
+            <a:avLst/>
+          </a:prstGeom>
+          <a:noFill/>
+        </p:spPr>
+        <p:txBody>
+          <a:bodyPr wrap="square" rtlCol="0">
+            <a:spAutoFit/>
+          </a:bodyPr>
+          <a:lstStyle/>
+          <a:p>
+            <a:r>
+              <a:rPr lang="nb-NO" sz="1400" dirty="0" smtClean="0"/>
+              <a:t>Type: Node</a:t>
+            </a:r>
+          </a:p>
+        </p:txBody>
+      </p:sp>
+      <p:sp>
+        <p:nvSpPr>
+          <p:cNvPr id="44" name="Rektangel 43"/>
+          <p:cNvSpPr/>
+          <p:nvPr/>
+        </p:nvSpPr>
+        <p:spPr>
+          <a:xfrm>
+            <a:off x="6290961" y="1443692"/>
+            <a:ext cx="1322614" cy="244929"/>
+          </a:xfrm>
+          <a:prstGeom prst="rect">
+            <a:avLst/>
+          </a:prstGeom>
+          <a:noFill/>
+        </p:spPr>
+        <p:style>
+          <a:lnRef idx="2">
+            <a:schemeClr val="accent1">
+              <a:shade val="50000"/>
+            </a:schemeClr>
+          </a:lnRef>
+          <a:fillRef idx="1">
+            <a:schemeClr val="accent1"/>
+          </a:fillRef>
+          <a:effectRef idx="0">
+            <a:schemeClr val="accent1"/>
+          </a:effectRef>
+          <a:fontRef idx="minor">
+            <a:schemeClr val="lt1"/>
+          </a:fontRef>
+        </p:style>
+        <p:txBody>
+          <a:bodyPr rtlCol="0" anchor="ctr"/>
+          <a:lstStyle/>
+          <a:p>
+            <a:pPr algn="ctr"/>
+            <a:r>
+              <a:rPr lang="nb-NO" dirty="0" smtClean="0">
+                <a:solidFill>
+                  <a:schemeClr val="tx1"/>
+                </a:solidFill>
+              </a:rPr>
+              <a:t>Anne</a:t>
+            </a:r>
+            <a:endParaRPr lang="nb-NO" dirty="0">
+              <a:solidFill>
+                <a:schemeClr val="tx1"/>
+              </a:solidFill>
+            </a:endParaRPr>
+          </a:p>
+        </p:txBody>
+      </p:sp>
+      <p:sp>
+        <p:nvSpPr>
+          <p:cNvPr id="45" name="TekstSylinder 44"/>
+          <p:cNvSpPr txBox="1"/>
+          <p:nvPr/>
+        </p:nvSpPr>
+        <p:spPr>
+          <a:xfrm>
+            <a:off x="5337057" y="3084970"/>
+            <a:ext cx="1559711" cy="307777"/>
+          </a:xfrm>
+          <a:prstGeom prst="rect">
+            <a:avLst/>
+          </a:prstGeom>
+          <a:noFill/>
+        </p:spPr>
+        <p:txBody>
+          <a:bodyPr wrap="square" rtlCol="0">
+            <a:spAutoFit/>
+          </a:bodyPr>
+          <a:lstStyle/>
+          <a:p>
+            <a:r>
+              <a:rPr lang="nb-NO" sz="1400" dirty="0" smtClean="0"/>
+              <a:t>Type: </a:t>
+            </a:r>
+            <a:r>
+              <a:rPr lang="nb-NO" sz="1400" dirty="0" err="1" smtClean="0"/>
+              <a:t>String</a:t>
+            </a:r>
+            <a:endParaRPr lang="nb-NO" sz="1400" dirty="0" smtClean="0"/>
+          </a:p>
+        </p:txBody>
+      </p:sp>
+      <p:sp>
+        <p:nvSpPr>
+          <p:cNvPr id="46" name="TekstSylinder 45"/>
+          <p:cNvSpPr txBox="1"/>
+          <p:nvPr/>
+        </p:nvSpPr>
+        <p:spPr>
+          <a:xfrm>
+            <a:off x="7197630" y="3058128"/>
+            <a:ext cx="296480" cy="369332"/>
+          </a:xfrm>
+          <a:prstGeom prst="rect">
+            <a:avLst/>
+          </a:prstGeom>
+          <a:noFill/>
+        </p:spPr>
+        <p:txBody>
+          <a:bodyPr wrap="square" rtlCol="0">
+            <a:spAutoFit/>
+          </a:bodyPr>
+          <a:lstStyle/>
+          <a:p>
+            <a:r>
+              <a:rPr lang="nb-NO" dirty="0" smtClean="0"/>
+              <a:t>…</a:t>
+            </a:r>
+            <a:endParaRPr lang="nb-NO" dirty="0"/>
+          </a:p>
+        </p:txBody>
+      </p:sp>
+      <p:sp>
+        <p:nvSpPr>
+          <p:cNvPr id="47" name="Avrundet rektangel 46"/>
+          <p:cNvSpPr/>
+          <p:nvPr/>
+        </p:nvSpPr>
+        <p:spPr>
+          <a:xfrm>
+            <a:off x="7826438" y="2541380"/>
+            <a:ext cx="1610567" cy="2824843"/>
+          </a:xfrm>
+          <a:prstGeom prst="roundRect">
+            <a:avLst/>
+          </a:prstGeom>
+          <a:noFill/>
+          <a:ln>
+            <a:solidFill>
+              <a:schemeClr val="accent1"/>
+            </a:solidFill>
+          </a:ln>
+        </p:spPr>
+        <p:style>
+          <a:lnRef idx="2">
+            <a:schemeClr val="accent1">
+              <a:shade val="50000"/>
+            </a:schemeClr>
+          </a:lnRef>
+          <a:fillRef idx="1">
+            <a:schemeClr val="accent1"/>
+          </a:fillRef>
+          <a:effectRef idx="0">
+            <a:schemeClr val="accent1"/>
+          </a:effectRef>
+          <a:fontRef idx="minor">
+            <a:schemeClr val="lt1"/>
+          </a:fontRef>
+        </p:style>
+        <p:txBody>
+          <a:bodyPr rtlCol="0" anchor="ctr"/>
+          <a:lstStyle/>
+          <a:p>
+            <a:pPr algn="ctr"/>
+            <a:endParaRPr lang="nb-NO" dirty="0"/>
+          </a:p>
+        </p:txBody>
+      </p:sp>
+      <p:sp>
+        <p:nvSpPr>
+          <p:cNvPr id="48" name="Rektangel 47"/>
+          <p:cNvSpPr/>
+          <p:nvPr/>
+        </p:nvSpPr>
+        <p:spPr>
+          <a:xfrm>
+            <a:off x="7946181" y="2867951"/>
+            <a:ext cx="1322614" cy="244929"/>
+          </a:xfrm>
+          <a:prstGeom prst="rect">
+            <a:avLst/>
+          </a:prstGeom>
+          <a:noFill/>
+        </p:spPr>
+        <p:style>
+          <a:lnRef idx="2">
+            <a:schemeClr val="accent1">
+              <a:shade val="50000"/>
+            </a:schemeClr>
+          </a:lnRef>
+          <a:fillRef idx="1">
+            <a:schemeClr val="accent1"/>
+          </a:fillRef>
+          <a:effectRef idx="0">
+            <a:schemeClr val="accent1"/>
+          </a:effectRef>
+          <a:fontRef idx="minor">
+            <a:schemeClr val="lt1"/>
+          </a:fontRef>
+        </p:style>
+        <p:txBody>
+          <a:bodyPr rtlCol="0" anchor="ctr"/>
+          <a:lstStyle/>
+          <a:p>
+            <a:pPr algn="ctr"/>
+            <a:endParaRPr lang="nb-NO" dirty="0">
+              <a:solidFill>
+                <a:schemeClr val="tx1"/>
+              </a:solidFill>
+            </a:endParaRPr>
+          </a:p>
+        </p:txBody>
+      </p:sp>
+      <p:sp>
+        <p:nvSpPr>
+          <p:cNvPr id="49" name="TekstSylinder 48"/>
+          <p:cNvSpPr txBox="1"/>
+          <p:nvPr/>
+        </p:nvSpPr>
+        <p:spPr>
+          <a:xfrm>
+            <a:off x="7826438" y="2603462"/>
+            <a:ext cx="1559711" cy="307777"/>
+          </a:xfrm>
+          <a:prstGeom prst="rect">
+            <a:avLst/>
+          </a:prstGeom>
+          <a:noFill/>
+        </p:spPr>
+        <p:txBody>
+          <a:bodyPr wrap="square" rtlCol="0">
+            <a:spAutoFit/>
+          </a:bodyPr>
+          <a:lstStyle/>
+          <a:p>
+            <a:r>
+              <a:rPr lang="nb-NO" sz="1400" dirty="0" smtClean="0"/>
+              <a:t>Navn: tekst</a:t>
+            </a:r>
+          </a:p>
+        </p:txBody>
+      </p:sp>
+      <p:sp>
+        <p:nvSpPr>
+          <p:cNvPr id="50" name="TekstSylinder 49"/>
+          <p:cNvSpPr txBox="1"/>
+          <p:nvPr/>
+        </p:nvSpPr>
+        <p:spPr>
+          <a:xfrm>
+            <a:off x="8791004" y="1660485"/>
+            <a:ext cx="1559711" cy="307777"/>
+          </a:xfrm>
+          <a:prstGeom prst="rect">
+            <a:avLst/>
+          </a:prstGeom>
+          <a:noFill/>
+        </p:spPr>
+        <p:txBody>
+          <a:bodyPr wrap="square" rtlCol="0">
+            <a:spAutoFit/>
+          </a:bodyPr>
+          <a:lstStyle/>
+          <a:p>
+            <a:r>
+              <a:rPr lang="nb-NO" sz="1400" dirty="0" smtClean="0"/>
+              <a:t>Type: </a:t>
+            </a:r>
+            <a:r>
+              <a:rPr lang="nb-NO" sz="1400" dirty="0" err="1" smtClean="0"/>
+              <a:t>String</a:t>
+            </a:r>
+            <a:endParaRPr lang="nb-NO" sz="1400" dirty="0" smtClean="0"/>
+          </a:p>
+        </p:txBody>
+      </p:sp>
+      <p:sp>
+        <p:nvSpPr>
+          <p:cNvPr id="51" name="Rektangel 50"/>
+          <p:cNvSpPr/>
+          <p:nvPr/>
+        </p:nvSpPr>
+        <p:spPr>
+          <a:xfrm>
+            <a:off x="7967949" y="3804122"/>
+            <a:ext cx="1322614" cy="244929"/>
+          </a:xfrm>
+          <a:prstGeom prst="rect">
+            <a:avLst/>
+          </a:prstGeom>
+          <a:noFill/>
+        </p:spPr>
+        <p:style>
+          <a:lnRef idx="2">
+            <a:schemeClr val="accent1">
+              <a:shade val="50000"/>
+            </a:schemeClr>
+          </a:lnRef>
+          <a:fillRef idx="1">
+            <a:schemeClr val="accent1"/>
+          </a:fillRef>
+          <a:effectRef idx="0">
+            <a:schemeClr val="accent1"/>
+          </a:effectRef>
+          <a:fontRef idx="minor">
+            <a:schemeClr val="lt1"/>
+          </a:fontRef>
+        </p:style>
+        <p:txBody>
+          <a:bodyPr rtlCol="0" anchor="ctr"/>
+          <a:lstStyle/>
+          <a:p>
+            <a:pPr algn="ctr"/>
+            <a:r>
+              <a:rPr lang="nb-NO" dirty="0" smtClean="0">
+                <a:solidFill>
+                  <a:schemeClr val="tx1"/>
+                </a:solidFill>
+              </a:rPr>
+              <a:t>1</a:t>
+            </a:r>
+            <a:endParaRPr lang="nb-NO" dirty="0">
+              <a:solidFill>
+                <a:schemeClr val="tx1"/>
+              </a:solidFill>
+            </a:endParaRPr>
+          </a:p>
+        </p:txBody>
+      </p:sp>
+      <p:sp>
+        <p:nvSpPr>
+          <p:cNvPr id="52" name="TekstSylinder 51"/>
+          <p:cNvSpPr txBox="1"/>
+          <p:nvPr/>
+        </p:nvSpPr>
+        <p:spPr>
+          <a:xfrm>
+            <a:off x="7848206" y="3539633"/>
+            <a:ext cx="1559711" cy="307777"/>
+          </a:xfrm>
+          <a:prstGeom prst="rect">
+            <a:avLst/>
+          </a:prstGeom>
+          <a:noFill/>
+        </p:spPr>
+        <p:txBody>
+          <a:bodyPr wrap="square" rtlCol="0">
+            <a:spAutoFit/>
+          </a:bodyPr>
+          <a:lstStyle/>
+          <a:p>
+            <a:r>
+              <a:rPr lang="nb-NO" sz="1400" dirty="0" smtClean="0"/>
+              <a:t>Navn: antall</a:t>
+            </a:r>
+          </a:p>
+        </p:txBody>
+      </p:sp>
+      <p:sp>
+        <p:nvSpPr>
+          <p:cNvPr id="53" name="TekstSylinder 52"/>
+          <p:cNvSpPr txBox="1"/>
+          <p:nvPr/>
+        </p:nvSpPr>
+        <p:spPr>
+          <a:xfrm>
+            <a:off x="7877294" y="4005763"/>
+            <a:ext cx="1559711" cy="307777"/>
+          </a:xfrm>
+          <a:prstGeom prst="rect">
+            <a:avLst/>
+          </a:prstGeom>
+          <a:noFill/>
+        </p:spPr>
+        <p:txBody>
+          <a:bodyPr wrap="square" rtlCol="0">
+            <a:spAutoFit/>
+          </a:bodyPr>
+          <a:lstStyle/>
+          <a:p>
+            <a:r>
+              <a:rPr lang="nb-NO" sz="1400" dirty="0" smtClean="0"/>
+              <a:t>Type: </a:t>
+            </a:r>
+            <a:r>
+              <a:rPr lang="nb-NO" sz="1400" dirty="0" err="1" smtClean="0"/>
+              <a:t>String</a:t>
+            </a:r>
+            <a:endParaRPr lang="nb-NO" sz="1400" dirty="0" smtClean="0"/>
+          </a:p>
+        </p:txBody>
+      </p:sp>
+      <p:sp>
+        <p:nvSpPr>
+          <p:cNvPr id="54" name="Rektangel 53"/>
+          <p:cNvSpPr/>
+          <p:nvPr/>
+        </p:nvSpPr>
+        <p:spPr>
+          <a:xfrm>
+            <a:off x="7991598" y="4691559"/>
+            <a:ext cx="1322614" cy="244929"/>
+          </a:xfrm>
+          <a:prstGeom prst="rect">
+            <a:avLst/>
+          </a:prstGeom>
+          <a:noFill/>
+        </p:spPr>
+        <p:style>
+          <a:lnRef idx="2">
+            <a:schemeClr val="accent1">
+              <a:shade val="50000"/>
+            </a:schemeClr>
+          </a:lnRef>
+          <a:fillRef idx="1">
+            <a:schemeClr val="accent1"/>
+          </a:fillRef>
+          <a:effectRef idx="0">
+            <a:schemeClr val="accent1"/>
+          </a:effectRef>
+          <a:fontRef idx="minor">
+            <a:schemeClr val="lt1"/>
+          </a:fontRef>
+        </p:style>
+        <p:txBody>
+          <a:bodyPr rtlCol="0" anchor="ctr"/>
+          <a:lstStyle/>
+          <a:p>
+            <a:pPr algn="ctr"/>
+            <a:endParaRPr lang="nb-NO" dirty="0">
+              <a:solidFill>
+                <a:schemeClr val="tx1"/>
+              </a:solidFill>
+            </a:endParaRPr>
+          </a:p>
+        </p:txBody>
+      </p:sp>
+      <p:sp>
+        <p:nvSpPr>
+          <p:cNvPr id="55" name="TekstSylinder 54"/>
+          <p:cNvSpPr txBox="1"/>
+          <p:nvPr/>
+        </p:nvSpPr>
+        <p:spPr>
+          <a:xfrm>
+            <a:off x="7871855" y="4427070"/>
+            <a:ext cx="1559711" cy="307777"/>
+          </a:xfrm>
+          <a:prstGeom prst="rect">
+            <a:avLst/>
+          </a:prstGeom>
+          <a:noFill/>
+        </p:spPr>
+        <p:txBody>
+          <a:bodyPr wrap="square" rtlCol="0">
+            <a:spAutoFit/>
+          </a:bodyPr>
+          <a:lstStyle/>
+          <a:p>
+            <a:r>
+              <a:rPr lang="nb-NO" sz="1400" dirty="0" smtClean="0"/>
+              <a:t>Navn: neste</a:t>
+            </a:r>
+          </a:p>
+        </p:txBody>
+      </p:sp>
+      <p:sp>
+        <p:nvSpPr>
+          <p:cNvPr id="56" name="TekstSylinder 55"/>
+          <p:cNvSpPr txBox="1"/>
+          <p:nvPr/>
+        </p:nvSpPr>
+        <p:spPr>
+          <a:xfrm>
+            <a:off x="7900943" y="4893200"/>
+            <a:ext cx="1559711" cy="307777"/>
+          </a:xfrm>
+          <a:prstGeom prst="rect">
+            <a:avLst/>
+          </a:prstGeom>
+          <a:noFill/>
+        </p:spPr>
+        <p:txBody>
+          <a:bodyPr wrap="square" rtlCol="0">
+            <a:spAutoFit/>
+          </a:bodyPr>
+          <a:lstStyle/>
+          <a:p>
+            <a:r>
+              <a:rPr lang="nb-NO" sz="1400" dirty="0" smtClean="0"/>
+              <a:t>Type: Node</a:t>
+            </a:r>
+          </a:p>
+        </p:txBody>
+      </p:sp>
+      <p:sp>
+        <p:nvSpPr>
+          <p:cNvPr id="57" name="Rektangel 56"/>
+          <p:cNvSpPr/>
+          <p:nvPr/>
+        </p:nvSpPr>
+        <p:spPr>
+          <a:xfrm>
+            <a:off x="8848720" y="1478405"/>
+            <a:ext cx="1322614" cy="244929"/>
+          </a:xfrm>
+          <a:prstGeom prst="rect">
+            <a:avLst/>
+          </a:prstGeom>
+          <a:noFill/>
+        </p:spPr>
+        <p:style>
+          <a:lnRef idx="2">
+            <a:schemeClr val="accent1">
+              <a:shade val="50000"/>
+            </a:schemeClr>
+          </a:lnRef>
+          <a:fillRef idx="1">
+            <a:schemeClr val="accent1"/>
+          </a:fillRef>
+          <a:effectRef idx="0">
+            <a:schemeClr val="accent1"/>
+          </a:effectRef>
+          <a:fontRef idx="minor">
+            <a:schemeClr val="lt1"/>
+          </a:fontRef>
+        </p:style>
+        <p:txBody>
+          <a:bodyPr rtlCol="0" anchor="ctr"/>
+          <a:lstStyle/>
+          <a:p>
+            <a:pPr algn="ctr"/>
+            <a:r>
+              <a:rPr lang="nb-NO" dirty="0" smtClean="0">
+                <a:solidFill>
+                  <a:schemeClr val="tx1"/>
+                </a:solidFill>
+              </a:rPr>
+              <a:t>Rita</a:t>
+            </a:r>
+            <a:endParaRPr lang="nb-NO" dirty="0">
+              <a:solidFill>
+                <a:schemeClr val="tx1"/>
+              </a:solidFill>
+            </a:endParaRPr>
+          </a:p>
+        </p:txBody>
+      </p:sp>
+      <p:sp>
+        <p:nvSpPr>
+          <p:cNvPr id="58" name="TekstSylinder 57"/>
+          <p:cNvSpPr txBox="1"/>
+          <p:nvPr/>
+        </p:nvSpPr>
+        <p:spPr>
+          <a:xfrm>
+            <a:off x="7894816" y="3119683"/>
+            <a:ext cx="1559711" cy="307777"/>
+          </a:xfrm>
+          <a:prstGeom prst="rect">
+            <a:avLst/>
+          </a:prstGeom>
+          <a:noFill/>
+        </p:spPr>
+        <p:txBody>
+          <a:bodyPr wrap="square" rtlCol="0">
+            <a:spAutoFit/>
+          </a:bodyPr>
+          <a:lstStyle/>
+          <a:p>
+            <a:r>
+              <a:rPr lang="nb-NO" sz="1400" dirty="0" smtClean="0"/>
+              <a:t>Type: </a:t>
+            </a:r>
+            <a:r>
+              <a:rPr lang="nb-NO" sz="1400" dirty="0" err="1" smtClean="0"/>
+              <a:t>String</a:t>
+            </a:r>
+            <a:endParaRPr lang="nb-NO" sz="1400" dirty="0" smtClean="0"/>
+          </a:p>
+        </p:txBody>
+      </p:sp>
+      <p:sp>
+        <p:nvSpPr>
+          <p:cNvPr id="59" name="Avrundet rektangel 58"/>
+          <p:cNvSpPr/>
+          <p:nvPr/>
+        </p:nvSpPr>
+        <p:spPr>
+          <a:xfrm>
+            <a:off x="9785057" y="2569516"/>
+            <a:ext cx="1610567" cy="2824843"/>
+          </a:xfrm>
+          <a:prstGeom prst="roundRect">
+            <a:avLst/>
+          </a:prstGeom>
+          <a:noFill/>
+          <a:ln>
+            <a:solidFill>
+              <a:schemeClr val="accent1"/>
+            </a:solidFill>
+          </a:ln>
+        </p:spPr>
+        <p:style>
+          <a:lnRef idx="2">
+            <a:schemeClr val="accent1">
+              <a:shade val="50000"/>
+            </a:schemeClr>
+          </a:lnRef>
+          <a:fillRef idx="1">
+            <a:schemeClr val="accent1"/>
+          </a:fillRef>
+          <a:effectRef idx="0">
+            <a:schemeClr val="accent1"/>
+          </a:effectRef>
+          <a:fontRef idx="minor">
+            <a:schemeClr val="lt1"/>
+          </a:fontRef>
+        </p:style>
+        <p:txBody>
+          <a:bodyPr rtlCol="0" anchor="ctr"/>
+          <a:lstStyle/>
+          <a:p>
+            <a:pPr algn="ctr"/>
+            <a:endParaRPr lang="nb-NO" dirty="0"/>
+          </a:p>
+        </p:txBody>
+      </p:sp>
+      <p:sp>
+        <p:nvSpPr>
+          <p:cNvPr id="60" name="Rektangel 59"/>
+          <p:cNvSpPr/>
+          <p:nvPr/>
+        </p:nvSpPr>
+        <p:spPr>
+          <a:xfrm>
+            <a:off x="9904800" y="2896087"/>
+            <a:ext cx="1322614" cy="244929"/>
+          </a:xfrm>
+          <a:prstGeom prst="rect">
+            <a:avLst/>
+          </a:prstGeom>
+          <a:noFill/>
+        </p:spPr>
+        <p:style>
+          <a:lnRef idx="2">
+            <a:schemeClr val="accent1">
+              <a:shade val="50000"/>
+            </a:schemeClr>
+          </a:lnRef>
+          <a:fillRef idx="1">
+            <a:schemeClr val="accent1"/>
+          </a:fillRef>
+          <a:effectRef idx="0">
+            <a:schemeClr val="accent1"/>
+          </a:effectRef>
+          <a:fontRef idx="minor">
+            <a:schemeClr val="lt1"/>
+          </a:fontRef>
+        </p:style>
+        <p:txBody>
+          <a:bodyPr rtlCol="0" anchor="ctr"/>
+          <a:lstStyle/>
+          <a:p>
+            <a:pPr algn="ctr"/>
+            <a:endParaRPr lang="nb-NO" dirty="0">
+              <a:solidFill>
+                <a:schemeClr val="tx1"/>
+              </a:solidFill>
+            </a:endParaRPr>
+          </a:p>
+        </p:txBody>
+      </p:sp>
+      <p:sp>
+        <p:nvSpPr>
+          <p:cNvPr id="61" name="TekstSylinder 60"/>
+          <p:cNvSpPr txBox="1"/>
+          <p:nvPr/>
+        </p:nvSpPr>
+        <p:spPr>
+          <a:xfrm>
+            <a:off x="9785057" y="2631598"/>
+            <a:ext cx="1559711" cy="307777"/>
+          </a:xfrm>
+          <a:prstGeom prst="rect">
+            <a:avLst/>
+          </a:prstGeom>
+          <a:noFill/>
+        </p:spPr>
+        <p:txBody>
+          <a:bodyPr wrap="square" rtlCol="0">
+            <a:spAutoFit/>
+          </a:bodyPr>
+          <a:lstStyle/>
+          <a:p>
+            <a:r>
+              <a:rPr lang="nb-NO" sz="1400" dirty="0" smtClean="0"/>
+              <a:t>Navn: tekst</a:t>
+            </a:r>
+          </a:p>
+        </p:txBody>
+      </p:sp>
+      <p:sp>
+        <p:nvSpPr>
+          <p:cNvPr id="62" name="TekstSylinder 61"/>
+          <p:cNvSpPr txBox="1"/>
+          <p:nvPr/>
+        </p:nvSpPr>
+        <p:spPr>
+          <a:xfrm>
+            <a:off x="10749623" y="1688621"/>
+            <a:ext cx="1559711" cy="307777"/>
+          </a:xfrm>
+          <a:prstGeom prst="rect">
+            <a:avLst/>
+          </a:prstGeom>
+          <a:noFill/>
+        </p:spPr>
+        <p:txBody>
+          <a:bodyPr wrap="square" rtlCol="0">
+            <a:spAutoFit/>
+          </a:bodyPr>
+          <a:lstStyle/>
+          <a:p>
+            <a:r>
+              <a:rPr lang="nb-NO" sz="1400" dirty="0" smtClean="0"/>
+              <a:t>Type: </a:t>
+            </a:r>
+            <a:r>
+              <a:rPr lang="nb-NO" sz="1400" dirty="0" err="1" smtClean="0"/>
+              <a:t>String</a:t>
+            </a:r>
+            <a:endParaRPr lang="nb-NO" sz="1400" dirty="0" smtClean="0"/>
+          </a:p>
+        </p:txBody>
+      </p:sp>
+      <p:sp>
+        <p:nvSpPr>
+          <p:cNvPr id="63" name="Rektangel 62"/>
+          <p:cNvSpPr/>
+          <p:nvPr/>
+        </p:nvSpPr>
+        <p:spPr>
+          <a:xfrm>
+            <a:off x="9926568" y="3832258"/>
+            <a:ext cx="1322614" cy="244929"/>
+          </a:xfrm>
+          <a:prstGeom prst="rect">
+            <a:avLst/>
+          </a:prstGeom>
+          <a:noFill/>
+        </p:spPr>
+        <p:style>
+          <a:lnRef idx="2">
+            <a:schemeClr val="accent1">
+              <a:shade val="50000"/>
+            </a:schemeClr>
+          </a:lnRef>
+          <a:fillRef idx="1">
+            <a:schemeClr val="accent1"/>
+          </a:fillRef>
+          <a:effectRef idx="0">
+            <a:schemeClr val="accent1"/>
+          </a:effectRef>
+          <a:fontRef idx="minor">
+            <a:schemeClr val="lt1"/>
+          </a:fontRef>
+        </p:style>
+        <p:txBody>
+          <a:bodyPr rtlCol="0" anchor="ctr"/>
+          <a:lstStyle/>
+          <a:p>
+            <a:pPr algn="ctr"/>
+            <a:r>
+              <a:rPr lang="nb-NO" dirty="0" smtClean="0">
+                <a:solidFill>
+                  <a:schemeClr val="tx1"/>
+                </a:solidFill>
+              </a:rPr>
+              <a:t>1</a:t>
+            </a:r>
+            <a:endParaRPr lang="nb-NO" dirty="0">
+              <a:solidFill>
+                <a:schemeClr val="tx1"/>
+              </a:solidFill>
+            </a:endParaRPr>
+          </a:p>
+        </p:txBody>
+      </p:sp>
+      <p:sp>
+        <p:nvSpPr>
+          <p:cNvPr id="64" name="TekstSylinder 63"/>
+          <p:cNvSpPr txBox="1"/>
+          <p:nvPr/>
+        </p:nvSpPr>
+        <p:spPr>
+          <a:xfrm>
+            <a:off x="9806825" y="3567769"/>
+            <a:ext cx="1559711" cy="307777"/>
+          </a:xfrm>
+          <a:prstGeom prst="rect">
+            <a:avLst/>
+          </a:prstGeom>
+          <a:noFill/>
+        </p:spPr>
+        <p:txBody>
+          <a:bodyPr wrap="square" rtlCol="0">
+            <a:spAutoFit/>
+          </a:bodyPr>
+          <a:lstStyle/>
+          <a:p>
+            <a:r>
+              <a:rPr lang="nb-NO" sz="1400" dirty="0" smtClean="0"/>
+              <a:t>Navn: antall</a:t>
+            </a:r>
+          </a:p>
+        </p:txBody>
+      </p:sp>
+      <p:sp>
+        <p:nvSpPr>
+          <p:cNvPr id="65" name="TekstSylinder 64"/>
+          <p:cNvSpPr txBox="1"/>
+          <p:nvPr/>
+        </p:nvSpPr>
+        <p:spPr>
+          <a:xfrm>
+            <a:off x="9835913" y="4033899"/>
+            <a:ext cx="1559711" cy="307777"/>
+          </a:xfrm>
+          <a:prstGeom prst="rect">
+            <a:avLst/>
+          </a:prstGeom>
+          <a:noFill/>
+        </p:spPr>
+        <p:txBody>
+          <a:bodyPr wrap="square" rtlCol="0">
+            <a:spAutoFit/>
+          </a:bodyPr>
+          <a:lstStyle/>
+          <a:p>
+            <a:r>
+              <a:rPr lang="nb-NO" sz="1400" dirty="0" smtClean="0"/>
+              <a:t>Type: </a:t>
+            </a:r>
+            <a:r>
+              <a:rPr lang="nb-NO" sz="1400" dirty="0" err="1" smtClean="0"/>
+              <a:t>String</a:t>
+            </a:r>
+            <a:endParaRPr lang="nb-NO" sz="1400" dirty="0" smtClean="0"/>
+          </a:p>
+        </p:txBody>
+      </p:sp>
+      <p:sp>
+        <p:nvSpPr>
+          <p:cNvPr id="66" name="Rektangel 65"/>
+          <p:cNvSpPr/>
+          <p:nvPr/>
+        </p:nvSpPr>
+        <p:spPr>
+          <a:xfrm>
+            <a:off x="9950217" y="4719695"/>
+            <a:ext cx="1322614" cy="244929"/>
+          </a:xfrm>
+          <a:prstGeom prst="rect">
+            <a:avLst/>
+          </a:prstGeom>
+          <a:noFill/>
+        </p:spPr>
+        <p:style>
+          <a:lnRef idx="2">
+            <a:schemeClr val="accent1">
+              <a:shade val="50000"/>
+            </a:schemeClr>
+          </a:lnRef>
+          <a:fillRef idx="1">
+            <a:schemeClr val="accent1"/>
+          </a:fillRef>
+          <a:effectRef idx="0">
+            <a:schemeClr val="accent1"/>
+          </a:effectRef>
+          <a:fontRef idx="minor">
+            <a:schemeClr val="lt1"/>
+          </a:fontRef>
+        </p:style>
+        <p:txBody>
+          <a:bodyPr rtlCol="0" anchor="ctr"/>
+          <a:lstStyle/>
+          <a:p>
+            <a:pPr algn="ctr"/>
+            <a:r>
+              <a:rPr lang="nb-NO" smtClean="0">
+                <a:solidFill>
+                  <a:schemeClr val="tx1"/>
+                </a:solidFill>
+              </a:rPr>
+              <a:t>null</a:t>
+            </a:r>
+            <a:endParaRPr lang="nb-NO" dirty="0">
+              <a:solidFill>
+                <a:schemeClr val="tx1"/>
+              </a:solidFill>
+            </a:endParaRPr>
+          </a:p>
+        </p:txBody>
+      </p:sp>
+      <p:sp>
+        <p:nvSpPr>
+          <p:cNvPr id="67" name="TekstSylinder 66"/>
+          <p:cNvSpPr txBox="1"/>
+          <p:nvPr/>
+        </p:nvSpPr>
+        <p:spPr>
+          <a:xfrm>
+            <a:off x="9830474" y="4455206"/>
+            <a:ext cx="1559711" cy="307777"/>
+          </a:xfrm>
+          <a:prstGeom prst="rect">
+            <a:avLst/>
+          </a:prstGeom>
+          <a:noFill/>
+        </p:spPr>
+        <p:txBody>
+          <a:bodyPr wrap="square" rtlCol="0">
+            <a:spAutoFit/>
+          </a:bodyPr>
+          <a:lstStyle/>
+          <a:p>
+            <a:r>
+              <a:rPr lang="nb-NO" sz="1400" dirty="0" smtClean="0"/>
+              <a:t>Navn: neste</a:t>
+            </a:r>
+          </a:p>
+        </p:txBody>
+      </p:sp>
+      <p:sp>
+        <p:nvSpPr>
+          <p:cNvPr id="68" name="TekstSylinder 67"/>
+          <p:cNvSpPr txBox="1"/>
+          <p:nvPr/>
+        </p:nvSpPr>
+        <p:spPr>
+          <a:xfrm>
+            <a:off x="9859562" y="4921336"/>
+            <a:ext cx="1559711" cy="307777"/>
+          </a:xfrm>
+          <a:prstGeom prst="rect">
+            <a:avLst/>
+          </a:prstGeom>
+          <a:noFill/>
+        </p:spPr>
+        <p:txBody>
+          <a:bodyPr wrap="square" rtlCol="0">
+            <a:spAutoFit/>
+          </a:bodyPr>
+          <a:lstStyle/>
+          <a:p>
+            <a:r>
+              <a:rPr lang="nb-NO" sz="1400" dirty="0" smtClean="0"/>
+              <a:t>Type: Node</a:t>
+            </a:r>
+          </a:p>
+        </p:txBody>
+      </p:sp>
+      <p:sp>
+        <p:nvSpPr>
+          <p:cNvPr id="69" name="Rektangel 68"/>
+          <p:cNvSpPr/>
+          <p:nvPr/>
+        </p:nvSpPr>
+        <p:spPr>
+          <a:xfrm>
+            <a:off x="10807339" y="1506541"/>
+            <a:ext cx="1322614" cy="244929"/>
+          </a:xfrm>
+          <a:prstGeom prst="rect">
+            <a:avLst/>
+          </a:prstGeom>
+          <a:noFill/>
+        </p:spPr>
+        <p:style>
+          <a:lnRef idx="2">
+            <a:schemeClr val="accent1">
+              <a:shade val="50000"/>
+            </a:schemeClr>
+          </a:lnRef>
+          <a:fillRef idx="1">
+            <a:schemeClr val="accent1"/>
+          </a:fillRef>
+          <a:effectRef idx="0">
+            <a:schemeClr val="accent1"/>
+          </a:effectRef>
+          <a:fontRef idx="minor">
+            <a:schemeClr val="lt1"/>
+          </a:fontRef>
+        </p:style>
+        <p:txBody>
+          <a:bodyPr rtlCol="0" anchor="ctr"/>
+          <a:lstStyle/>
+          <a:p>
+            <a:pPr algn="ctr"/>
+            <a:r>
+              <a:rPr lang="nb-NO" dirty="0" smtClean="0">
+                <a:solidFill>
+                  <a:schemeClr val="tx1"/>
+                </a:solidFill>
+              </a:rPr>
+              <a:t>Rita</a:t>
+            </a:r>
+            <a:endParaRPr lang="nb-NO" dirty="0">
+              <a:solidFill>
+                <a:schemeClr val="tx1"/>
+              </a:solidFill>
+            </a:endParaRPr>
+          </a:p>
+        </p:txBody>
+      </p:sp>
+      <p:sp>
+        <p:nvSpPr>
+          <p:cNvPr id="70" name="TekstSylinder 69"/>
+          <p:cNvSpPr txBox="1"/>
+          <p:nvPr/>
+        </p:nvSpPr>
+        <p:spPr>
+          <a:xfrm>
+            <a:off x="9853435" y="3147819"/>
+            <a:ext cx="1559711" cy="307777"/>
+          </a:xfrm>
+          <a:prstGeom prst="rect">
+            <a:avLst/>
+          </a:prstGeom>
+          <a:noFill/>
+        </p:spPr>
+        <p:txBody>
+          <a:bodyPr wrap="square" rtlCol="0">
+            <a:spAutoFit/>
+          </a:bodyPr>
+          <a:lstStyle/>
+          <a:p>
+            <a:r>
+              <a:rPr lang="nb-NO" sz="1400" dirty="0" smtClean="0"/>
+              <a:t>Type: </a:t>
+            </a:r>
+            <a:r>
+              <a:rPr lang="nb-NO" sz="1400" dirty="0" err="1" smtClean="0"/>
+              <a:t>String</a:t>
+            </a:r>
+            <a:endParaRPr lang="nb-NO" sz="1400" dirty="0" smtClean="0"/>
+          </a:p>
+        </p:txBody>
+      </p:sp>
+      <p:sp>
+        <p:nvSpPr>
+          <p:cNvPr id="71" name="Rektangel 70"/>
+          <p:cNvSpPr/>
+          <p:nvPr/>
+        </p:nvSpPr>
+        <p:spPr>
+          <a:xfrm>
+            <a:off x="7059088" y="3058128"/>
+            <a:ext cx="599140" cy="440504"/>
+          </a:xfrm>
+          <a:prstGeom prst="rect">
+            <a:avLst/>
+          </a:prstGeom>
+          <a:noFill/>
+        </p:spPr>
+        <p:style>
+          <a:lnRef idx="2">
+            <a:schemeClr val="accent1">
+              <a:shade val="50000"/>
+            </a:schemeClr>
+          </a:lnRef>
+          <a:fillRef idx="1">
+            <a:schemeClr val="accent1"/>
+          </a:fillRef>
+          <a:effectRef idx="0">
+            <a:schemeClr val="accent1"/>
+          </a:effectRef>
+          <a:fontRef idx="minor">
+            <a:schemeClr val="lt1"/>
+          </a:fontRef>
+        </p:style>
+        <p:txBody>
+          <a:bodyPr rtlCol="0" anchor="ctr"/>
+          <a:lstStyle/>
+          <a:p>
+            <a:pPr algn="ctr"/>
+            <a:endParaRPr lang="nb-NO"/>
+          </a:p>
+        </p:txBody>
+      </p:sp>
+      <p:cxnSp>
+        <p:nvCxnSpPr>
+          <p:cNvPr id="73" name="Rett pilkobling 72"/>
+          <p:cNvCxnSpPr/>
+          <p:nvPr/>
+        </p:nvCxnSpPr>
+        <p:spPr>
+          <a:xfrm>
+            <a:off x="1551214" y="3147819"/>
+            <a:ext cx="1361399" cy="155475"/>
+          </a:xfrm>
+          <a:prstGeom prst="straightConnector1">
+            <a:avLst/>
+          </a:prstGeom>
+          <a:ln>
+            <a:tailEnd type="triangle"/>
+          </a:ln>
+        </p:spPr>
+        <p:style>
+          <a:lnRef idx="1">
+            <a:schemeClr val="accent1"/>
+          </a:lnRef>
+          <a:fillRef idx="0">
+            <a:schemeClr val="accent1"/>
+          </a:fillRef>
+          <a:effectRef idx="0">
+            <a:schemeClr val="accent1"/>
+          </a:effectRef>
+          <a:fontRef idx="minor">
+            <a:schemeClr val="tx1"/>
+          </a:fontRef>
+        </p:style>
+      </p:cxnSp>
+      <p:cxnSp>
+        <p:nvCxnSpPr>
+          <p:cNvPr id="75" name="Rett pilkobling 74"/>
+          <p:cNvCxnSpPr/>
+          <p:nvPr/>
+        </p:nvCxnSpPr>
+        <p:spPr>
+          <a:xfrm flipV="1">
+            <a:off x="3934895" y="3427460"/>
+            <a:ext cx="1285496" cy="1345562"/>
+          </a:xfrm>
+          <a:prstGeom prst="straightConnector1">
+            <a:avLst/>
+          </a:prstGeom>
+          <a:ln>
+            <a:tailEnd type="triangle"/>
+          </a:ln>
+        </p:spPr>
+        <p:style>
+          <a:lnRef idx="1">
+            <a:schemeClr val="accent1"/>
+          </a:lnRef>
+          <a:fillRef idx="0">
+            <a:schemeClr val="accent1"/>
+          </a:fillRef>
+          <a:effectRef idx="0">
+            <a:schemeClr val="accent1"/>
+          </a:effectRef>
+          <a:fontRef idx="minor">
+            <a:schemeClr val="tx1"/>
+          </a:fontRef>
+        </p:style>
+      </p:cxnSp>
+      <p:cxnSp>
+        <p:nvCxnSpPr>
+          <p:cNvPr id="78" name="Rett pilkobling 77"/>
+          <p:cNvCxnSpPr/>
+          <p:nvPr/>
+        </p:nvCxnSpPr>
+        <p:spPr>
+          <a:xfrm flipV="1">
+            <a:off x="6229178" y="3539633"/>
+            <a:ext cx="957471" cy="1285763"/>
+          </a:xfrm>
+          <a:prstGeom prst="straightConnector1">
+            <a:avLst/>
+          </a:prstGeom>
+          <a:ln>
+            <a:tailEnd type="triangle"/>
+          </a:ln>
+        </p:spPr>
+        <p:style>
+          <a:lnRef idx="1">
+            <a:schemeClr val="accent1"/>
+          </a:lnRef>
+          <a:fillRef idx="0">
+            <a:schemeClr val="accent1"/>
+          </a:fillRef>
+          <a:effectRef idx="0">
+            <a:schemeClr val="accent1"/>
+          </a:effectRef>
+          <a:fontRef idx="minor">
+            <a:schemeClr val="tx1"/>
+          </a:fontRef>
+        </p:style>
+      </p:cxnSp>
+      <p:cxnSp>
+        <p:nvCxnSpPr>
+          <p:cNvPr id="80" name="Rett pilkobling 79"/>
+          <p:cNvCxnSpPr>
+            <a:stCxn id="46" idx="3"/>
+          </p:cNvCxnSpPr>
+          <p:nvPr/>
+        </p:nvCxnSpPr>
+        <p:spPr>
+          <a:xfrm flipV="1">
+            <a:off x="7494110" y="2939375"/>
+            <a:ext cx="279591" cy="303419"/>
+          </a:xfrm>
+          <a:prstGeom prst="straightConnector1">
+            <a:avLst/>
+          </a:prstGeom>
+          <a:ln>
+            <a:tailEnd type="triangle"/>
+          </a:ln>
+        </p:spPr>
+        <p:style>
+          <a:lnRef idx="1">
+            <a:schemeClr val="accent1"/>
+          </a:lnRef>
+          <a:fillRef idx="0">
+            <a:schemeClr val="accent1"/>
+          </a:fillRef>
+          <a:effectRef idx="0">
+            <a:schemeClr val="accent1"/>
+          </a:effectRef>
+          <a:fontRef idx="minor">
+            <a:schemeClr val="tx1"/>
+          </a:fontRef>
+        </p:style>
+      </p:cxnSp>
+      <p:cxnSp>
+        <p:nvCxnSpPr>
+          <p:cNvPr id="83" name="Rett pilkobling 82"/>
+          <p:cNvCxnSpPr/>
+          <p:nvPr/>
+        </p:nvCxnSpPr>
+        <p:spPr>
+          <a:xfrm flipV="1">
+            <a:off x="8702912" y="3392747"/>
+            <a:ext cx="1015647" cy="1435050"/>
+          </a:xfrm>
+          <a:prstGeom prst="straightConnector1">
+            <a:avLst/>
+          </a:prstGeom>
+          <a:ln>
+            <a:tailEnd type="triangle"/>
+          </a:ln>
+        </p:spPr>
+        <p:style>
+          <a:lnRef idx="1">
+            <a:schemeClr val="accent1"/>
+          </a:lnRef>
+          <a:fillRef idx="0">
+            <a:schemeClr val="accent1"/>
+          </a:fillRef>
+          <a:effectRef idx="0">
+            <a:schemeClr val="accent1"/>
+          </a:effectRef>
+          <a:fontRef idx="minor">
+            <a:schemeClr val="tx1"/>
+          </a:fontRef>
+        </p:style>
+      </p:cxnSp>
+      <p:cxnSp>
+        <p:nvCxnSpPr>
+          <p:cNvPr id="85" name="Rett pilkobling 84"/>
+          <p:cNvCxnSpPr/>
+          <p:nvPr/>
+        </p:nvCxnSpPr>
+        <p:spPr>
+          <a:xfrm flipV="1">
+            <a:off x="3810691" y="1908647"/>
+            <a:ext cx="417063" cy="1056505"/>
+          </a:xfrm>
+          <a:prstGeom prst="straightConnector1">
+            <a:avLst/>
+          </a:prstGeom>
+          <a:ln>
+            <a:tailEnd type="triangle"/>
+          </a:ln>
+        </p:spPr>
+        <p:style>
+          <a:lnRef idx="1">
+            <a:schemeClr val="accent1"/>
+          </a:lnRef>
+          <a:fillRef idx="0">
+            <a:schemeClr val="accent1"/>
+          </a:fillRef>
+          <a:effectRef idx="0">
+            <a:schemeClr val="accent1"/>
+          </a:effectRef>
+          <a:fontRef idx="minor">
+            <a:schemeClr val="tx1"/>
+          </a:fontRef>
+        </p:style>
+      </p:cxnSp>
+      <p:cxnSp>
+        <p:nvCxnSpPr>
+          <p:cNvPr id="87" name="Rett pilkobling 86"/>
+          <p:cNvCxnSpPr/>
+          <p:nvPr/>
+        </p:nvCxnSpPr>
+        <p:spPr>
+          <a:xfrm flipV="1">
+            <a:off x="6200527" y="1898093"/>
+            <a:ext cx="417063" cy="1056505"/>
+          </a:xfrm>
+          <a:prstGeom prst="straightConnector1">
+            <a:avLst/>
+          </a:prstGeom>
+          <a:ln>
+            <a:tailEnd type="triangle"/>
+          </a:ln>
+        </p:spPr>
+        <p:style>
+          <a:lnRef idx="1">
+            <a:schemeClr val="accent1"/>
+          </a:lnRef>
+          <a:fillRef idx="0">
+            <a:schemeClr val="accent1"/>
+          </a:fillRef>
+          <a:effectRef idx="0">
+            <a:schemeClr val="accent1"/>
+          </a:effectRef>
+          <a:fontRef idx="minor">
+            <a:schemeClr val="tx1"/>
+          </a:fontRef>
+        </p:style>
+      </p:cxnSp>
+      <p:cxnSp>
+        <p:nvCxnSpPr>
+          <p:cNvPr id="88" name="Rett pilkobling 87"/>
+          <p:cNvCxnSpPr/>
+          <p:nvPr/>
+        </p:nvCxnSpPr>
+        <p:spPr>
+          <a:xfrm flipV="1">
+            <a:off x="8816625" y="1962046"/>
+            <a:ext cx="417063" cy="1056505"/>
+          </a:xfrm>
+          <a:prstGeom prst="straightConnector1">
+            <a:avLst/>
+          </a:prstGeom>
+          <a:ln>
+            <a:tailEnd type="triangle"/>
+          </a:ln>
+        </p:spPr>
+        <p:style>
+          <a:lnRef idx="1">
+            <a:schemeClr val="accent1"/>
+          </a:lnRef>
+          <a:fillRef idx="0">
+            <a:schemeClr val="accent1"/>
+          </a:fillRef>
+          <a:effectRef idx="0">
+            <a:schemeClr val="accent1"/>
+          </a:effectRef>
+          <a:fontRef idx="minor">
+            <a:schemeClr val="tx1"/>
+          </a:fontRef>
+        </p:style>
+      </p:cxnSp>
+      <p:cxnSp>
+        <p:nvCxnSpPr>
+          <p:cNvPr id="89" name="Rett pilkobling 88"/>
+          <p:cNvCxnSpPr/>
+          <p:nvPr/>
+        </p:nvCxnSpPr>
+        <p:spPr>
+          <a:xfrm flipV="1">
+            <a:off x="10727935" y="1977784"/>
+            <a:ext cx="417063" cy="1056505"/>
+          </a:xfrm>
+          <a:prstGeom prst="straightConnector1">
+            <a:avLst/>
+          </a:prstGeom>
+          <a:ln>
+            <a:tailEnd type="triangle"/>
+          </a:ln>
+        </p:spPr>
+        <p:style>
+          <a:lnRef idx="1">
+            <a:schemeClr val="accent1"/>
+          </a:lnRef>
+          <a:fillRef idx="0">
+            <a:schemeClr val="accent1"/>
+          </a:fillRef>
+          <a:effectRef idx="0">
+            <a:schemeClr val="accent1"/>
+          </a:effectRef>
+          <a:fontRef idx="minor">
+            <a:schemeClr val="tx1"/>
+          </a:fontRef>
+        </p:style>
+      </p:cxnSp>
+    </p:spTree>
+    <p:extLst>
+      <p:ext uri="{BB962C8B-B14F-4D97-AF65-F5344CB8AC3E}">
+        <p14:creationId xmlns:p14="http://schemas.microsoft.com/office/powerpoint/2010/main" val="3231636032"/>
       </p:ext>
     </p:extLst>
   </p:cSld>
